--- a/Lab 6/Lab 6 bài giảng.pptx
+++ b/Lab 6/Lab 6 bài giảng.pptx
@@ -22946,7 +22946,23 @@
             </a:r>
             <a:r>
               <a:rPr lang="vi-VN" dirty="0"/>
-              <a:t> gồm n=10 phần tử.</a:t>
+              <a:t> gồm n</a:t>
+            </a:r>
+            <a:r>
+              <a:rPr lang="en-US" dirty="0"/>
+              <a:t> </a:t>
+            </a:r>
+            <a:r>
+              <a:rPr lang="vi-VN" dirty="0"/>
+              <a:t>=</a:t>
+            </a:r>
+            <a:r>
+              <a:rPr lang="en-US" dirty="0"/>
+              <a:t> </a:t>
+            </a:r>
+            <a:r>
+              <a:rPr lang="vi-VN" dirty="0"/>
+              <a:t>10 phần tử.</a:t>
             </a:r>
           </a:p>
           <a:p>
@@ -23044,9 +23060,16 @@
             </a:r>
             <a:r>
               <a:rPr lang="vi-VN" dirty="0"/>
-              <a:t> Tìm phần tử lớn nhất của danh sách và vị trí phần tử lớn nhất cuối cùng</a:t>
-            </a:r>
-            <a:endParaRPr lang="en-US" dirty="0"/>
+              <a:t> Tìm phần tử lớn nhất của danh sách và vị trí phần tử lớn nhất </a:t>
+            </a:r>
+            <a:r>
+              <a:rPr lang="en-US" dirty="0" err="1"/>
+              <a:t>đó</a:t>
+            </a:r>
+            <a:r>
+              <a:rPr lang="en-US" dirty="0"/>
+              <a:t>.</a:t>
+            </a:r>
           </a:p>
         </p:txBody>
       </p:sp>
@@ -23532,7 +23555,19 @@
               <a:rPr lang="vi-VN" altLang="en-US" dirty="0">
                 <a:ea typeface="Arial" charset="0"/>
               </a:rPr>
-              <a:t>Viết chương trình nhập vào một danh sách các phần tử là số tự nhiên với số phần tử bằng n</a:t>
+              <a:t>Viết chương trình nhập vào một danh sách các phần tử là </a:t>
+            </a:r>
+            <a:r>
+              <a:rPr lang="en-US" altLang="en-US" dirty="0" err="1">
+                <a:ea typeface="Arial" charset="0"/>
+              </a:rPr>
+              <a:t>nguyên</a:t>
+            </a:r>
+            <a:r>
+              <a:rPr lang="vi-VN" altLang="en-US" dirty="0">
+                <a:ea typeface="Arial" charset="0"/>
+              </a:rPr>
+              <a:t> với số phần tử bằng n</a:t>
             </a:r>
             <a:r>
               <a:rPr lang="en-US" altLang="en-US" dirty="0">
@@ -24115,7 +24150,25 @@
               <a:rPr lang="vi-VN" altLang="en-US" dirty="0">
                 <a:ea typeface="Arial" charset="0"/>
               </a:rPr>
-              <a:t>Viết chương trình nhập vào một danh sách các phần tử là số tự nhiên cho đến khi nhập vào số 0.</a:t>
+              <a:t>Viết chương trình nhập vào một danh sách các phần tử là số </a:t>
+            </a:r>
+            <a:r>
+              <a:rPr lang="en-US" altLang="en-US" dirty="0" err="1">
+                <a:ea typeface="Arial" charset="0"/>
+              </a:rPr>
+              <a:t>nguyên</a:t>
+            </a:r>
+            <a:r>
+              <a:rPr lang="en-US" altLang="en-US" dirty="0">
+                <a:ea typeface="Arial" charset="0"/>
+              </a:rPr>
+              <a:t> </a:t>
+            </a:r>
+            <a:r>
+              <a:rPr lang="vi-VN" altLang="en-US" dirty="0">
+                <a:ea typeface="Arial" charset="0"/>
+              </a:rPr>
+              <a:t>cho đến khi nhập vào số 0.</a:t>
             </a:r>
             <a:r>
               <a:rPr lang="en-US" altLang="en-US" dirty="0">
@@ -28449,6 +28502,41 @@
               <a:t>.</a:t>
             </a:r>
           </a:p>
+          <a:p>
+            <a:pPr marL="0" indent="0">
+              <a:spcBef>
+                <a:spcPts val="725"/>
+              </a:spcBef>
+              <a:spcAft>
+                <a:spcPts val="725"/>
+              </a:spcAft>
+              <a:buNone/>
+            </a:pPr>
+            <a:r>
+              <a:rPr lang="en-US" altLang="en-US" dirty="0" err="1">
+                <a:ea typeface="Arial" charset="0"/>
+              </a:rPr>
+              <a:t>Sử</a:t>
+            </a:r>
+            <a:r>
+              <a:rPr lang="en-US" altLang="en-US" dirty="0">
+                <a:ea typeface="Arial" charset="0"/>
+              </a:rPr>
+              <a:t> </a:t>
+            </a:r>
+            <a:r>
+              <a:rPr lang="en-US" altLang="en-US" dirty="0" err="1">
+                <a:ea typeface="Arial" charset="0"/>
+              </a:rPr>
+              <a:t>dụng</a:t>
+            </a:r>
+            <a:r>
+              <a:rPr lang="en-US" altLang="en-US" dirty="0">
+                <a:ea typeface="Arial" charset="0"/>
+              </a:rPr>
+              <a:t> module random: import random</a:t>
+            </a:r>
+          </a:p>
         </p:txBody>
       </p:sp>
       <p:sp>
@@ -30171,7 +30259,19 @@
               <a:rPr lang="vi-VN" altLang="en-US" dirty="0">
                 <a:ea typeface="Arial" charset="0"/>
               </a:rPr>
-              <a:t>m trong ("'Chơi", "Yêu"] và tân ngữ là ["Bóng đá", "Bóng rồ"].</a:t>
+              <a:t>m trong ("'Chơi", "Yêu"] và tân ngữ là ["Bóng đá", "Bóng r</a:t>
+            </a:r>
+            <a:r>
+              <a:rPr lang="en-US" altLang="en-US" dirty="0">
+                <a:ea typeface="Arial" charset="0"/>
+              </a:rPr>
+              <a:t>ổ</a:t>
+            </a:r>
+            <a:r>
+              <a:rPr lang="vi-VN" altLang="en-US" dirty="0">
+                <a:ea typeface="Arial" charset="0"/>
+              </a:rPr>
+              <a:t>"].</a:t>
             </a:r>
             <a:endParaRPr lang="en-US" altLang="en-US" dirty="0">
               <a:ea typeface="Arial" charset="0"/>
@@ -33500,22 +33600,16 @@
               <a:t>b</a:t>
             </a:r>
             <a:r>
-              <a:rPr lang="en-US" altLang="en-US">
+              <a:rPr lang="en-US" altLang="en-US" dirty="0">
                 <a:ea typeface="Arial" charset="0"/>
               </a:rPr>
               <a:t>)</a:t>
             </a:r>
             <a:r>
-              <a:rPr lang="vi-VN" altLang="en-US">
-                <a:ea typeface="Arial" charset="0"/>
-              </a:rPr>
-              <a:t> </a:t>
-            </a:r>
-            <a:r>
               <a:rPr lang="vi-VN" altLang="en-US" dirty="0">
                 <a:ea typeface="Arial" charset="0"/>
               </a:rPr>
-              <a:t>Tính tổng các phần tử của Ma trận A.</a:t>
+              <a:t> Tính tổng các phần tử của Ma trận A.</a:t>
             </a:r>
           </a:p>
           <a:p>
@@ -36536,7 +36630,15 @@
           <a:p>
             <a:r>
               <a:rPr lang="vi-VN" altLang="en-US" dirty="0"/>
-              <a:t>List comprehension là một cú pháp trong Python cho phép tạo danh sách mới bằng cách áp dụng biểu thức lên các phần tử của một iterable. Nó cung cấp một cách ngắn gọn và mạnh mẽ để thực hiện các thao tác biến đổi và lọc dữ liệu trên danh sách.</a:t>
+              <a:t>List comprehension là một cú pháp trong Python cho </a:t>
+            </a:r>
+            <a:r>
+              <a:rPr lang="vi-VN" altLang="en-US" b="1" dirty="0"/>
+              <a:t>phép tạo danh sách mới </a:t>
+            </a:r>
+            <a:r>
+              <a:rPr lang="vi-VN" altLang="en-US" dirty="0"/>
+              <a:t>bằng cách áp dụng biểu thức lên các phần tử của một iterable. Nó cung cấp một cách ngắn gọn và mạnh mẽ để thực hiện các thao tác biến đổi và lọc dữ liệu trên danh sách.</a:t>
             </a:r>
             <a:endParaRPr lang="en-US" altLang="en-US" dirty="0"/>
           </a:p>
